--- a/Vortrag/Projektseminar_Anwendung_Mechatronik.pptx
+++ b/Vortrag/Projektseminar_Anwendung_Mechatronik.pptx
@@ -15353,8 +15353,12 @@
           <a:lstStyle/>
           <a:p>
             <a:r>
+              <a:rPr lang="de-DE"/>
+              <a:t>Modellbildung Wahl </a:t>
+            </a:r>
+            <a:r>
               <a:rPr lang="de-DE" dirty="0"/>
-              <a:t>Wahl der Zustände</a:t>
+              <a:t>der Zustände</a:t>
             </a:r>
           </a:p>
         </p:txBody>
